--- a/3. Spring 5.0/Day 20/Slides/3. Building the Friends Web Services/building-the-friends-web-services-slides.pptx
+++ b/3. Spring 5.0/Day 20/Slides/3. Building the Friends Web Services/building-the-friends-web-services-slides.pptx
@@ -2102,8 +2102,8 @@
         </p:nvSpPr>
         <p:spPr>
           <a:xfrm>
-            <a:off x="927100" y="901700"/>
-            <a:ext cx="9253220" cy="995680"/>
+            <a:off x="965200" y="609600"/>
+            <a:ext cx="9253220" cy="1492250"/>
           </a:xfrm>
           <a:prstGeom prst="rect">
             <a:avLst/>
@@ -2179,6 +2179,29 @@
               </a:rPr>
               <a:t>root</a:t>
             </a:r>
+            <a:br>
+              <a:rPr spc="-5" dirty="0">
+                <a:solidFill>
+                  <a:srgbClr val="5F7FAA"/>
+                </a:solidFill>
+              </a:rPr>
+            </a:br>
+            <a:r>
+              <a:rPr spc="-5" dirty="0">
+                <a:solidFill>
+                  <a:srgbClr val="CC7831"/>
+                </a:solidFill>
+              </a:rPr>
+              <a:t>spring.datasource.password</a:t>
+            </a:r>
+            <a:r>
+              <a:rPr spc="-5" dirty="0">
+                <a:solidFill>
+                  <a:srgbClr val="5F7FAA"/>
+                </a:solidFill>
+              </a:rPr>
+              <a:t>=password</a:t>
+            </a:r>
             <a:endParaRPr spc="-5" dirty="0">
               <a:solidFill>
                 <a:srgbClr val="5F7FAA"/>
@@ -2195,8 +2218,8 @@
         </p:nvSpPr>
         <p:spPr>
           <a:xfrm>
-            <a:off x="863600" y="2349500"/>
-            <a:ext cx="10896600" cy="4333240"/>
+            <a:off x="863600" y="2425700"/>
+            <a:ext cx="14229715" cy="3903345"/>
           </a:xfrm>
           <a:prstGeom prst="rect">
             <a:avLst/>
@@ -2254,58 +2277,77 @@
                 <a:latin typeface="Arial MT"/>
                 <a:cs typeface="Arial MT"/>
               </a:rPr>
-              <a:t>.mysql.jdbc.Driver </a:t>
-            </a:r>
-            <a:r>
-              <a:rPr sz="3200" spc="-875" dirty="0">
+              <a:t>.mysql.</a:t>
+            </a:r>
+            <a:r>
+              <a:rPr lang="en-US" sz="3200" spc="-5" dirty="0">
                 <a:solidFill>
                   <a:srgbClr val="5F7FAA"/>
                 </a:solidFill>
                 <a:latin typeface="Arial MT"/>
                 <a:cs typeface="Arial MT"/>
               </a:rPr>
-              <a:t> </a:t>
+              <a:t>cj.</a:t>
             </a:r>
             <a:r>
               <a:rPr sz="3200" spc="-5" dirty="0">
                 <a:solidFill>
-                  <a:srgbClr val="CC7831"/>
+                  <a:srgbClr val="5F7FAA"/>
                 </a:solidFill>
                 <a:latin typeface="Arial MT"/>
                 <a:cs typeface="Arial MT"/>
               </a:rPr>
-              <a:t>spring.jpa.properties.hibernate.dialect</a:t>
-            </a:r>
-            <a:r>
-              <a:rPr sz="3200" spc="-5" dirty="0">
-                <a:solidFill>
-                  <a:srgbClr val="808080"/>
+              <a:t>jdbc.Driver </a:t>
+            </a:r>
+            <a:r>
+              <a:rPr sz="3200" spc="-875" dirty="0">
+                <a:solidFill>
+                  <a:srgbClr val="5F7FAA"/>
                 </a:solidFill>
                 <a:latin typeface="Arial MT"/>
                 <a:cs typeface="Arial MT"/>
               </a:rPr>
-              <a:t>=</a:t>
-            </a:r>
-            <a:endParaRPr sz="3200">
-              <a:latin typeface="Arial MT"/>
-              <a:cs typeface="Arial MT"/>
-            </a:endParaRPr>
-          </a:p>
-          <a:p>
-            <a:pPr marL="76200" marR="670560" indent="3522345">
-              <a:lnSpc>
-                <a:spcPts val="3800"/>
-              </a:lnSpc>
-            </a:pPr>
+              <a:t> </a:t>
+            </a:r>
             <a:r>
               <a:rPr sz="3200" spc="-5" dirty="0">
                 <a:solidFill>
-                  <a:srgbClr val="5F7FAA"/>
+                  <a:srgbClr val="CC7831"/>
                 </a:solidFill>
                 <a:latin typeface="Arial MT"/>
                 <a:cs typeface="Arial MT"/>
               </a:rPr>
-              <a:t>org.hibernate.dialect.MySQL5Dialect </a:t>
+              <a:t>spring.jpa.database-platform</a:t>
+            </a:r>
+            <a:r>
+              <a:rPr sz="3200" spc="-5" dirty="0">
+                <a:solidFill>
+                  <a:srgbClr val="808080"/>
+                </a:solidFill>
+                <a:latin typeface="Arial MT"/>
+                <a:cs typeface="Arial MT"/>
+              </a:rPr>
+              <a:t>=</a:t>
+            </a:r>
+            <a:r>
+              <a:rPr sz="3200" spc="-5" dirty="0">
+                <a:solidFill>
+                  <a:srgbClr val="769AA5"/>
+                </a:solidFill>
+                <a:latin typeface="Arial MT"/>
+                <a:cs typeface="Arial MT"/>
+              </a:rPr>
+              <a:t>org.hibernate.dialect.MySQL5InnoDBDialect</a:t>
+            </a:r>
+            <a:r>
+              <a:rPr sz="3200" spc="-5" dirty="0">
+                <a:solidFill>
+                  <a:srgbClr val="5F7FAA"/>
+                </a:solidFill>
+                <a:latin typeface="Arial MT"/>
+                <a:cs typeface="Arial MT"/>
+              </a:rPr>
+              <a:t> </a:t>
             </a:r>
             <a:r>
               <a:rPr sz="3200" spc="-875" dirty="0">
